--- a/doc/figure.pptx
+++ b/doc/figure.pptx
@@ -5,13 +5,14 @@
     <p:sldMasterId id="2147483648" r:id="rId1"/>
   </p:sldMasterIdLst>
   <p:notesMasterIdLst>
-    <p:notesMasterId r:id="rId6"/>
+    <p:notesMasterId r:id="rId7"/>
   </p:notesMasterIdLst>
   <p:sldIdLst>
     <p:sldId id="256" r:id="rId2"/>
     <p:sldId id="257" r:id="rId3"/>
     <p:sldId id="258" r:id="rId4"/>
     <p:sldId id="259" r:id="rId5"/>
+    <p:sldId id="260" r:id="rId6"/>
   </p:sldIdLst>
   <p:sldSz cx="12192000" cy="6858000"/>
   <p:notesSz cx="6858000" cy="9144000"/>
@@ -2610,7 +2611,7 @@
           <a:p>
             <a:fld id="{072FB289-7D03-418D-978D-D5ACB858505D}" type="datetimeFigureOut">
               <a:rPr lang="zh-CN" altLang="en-US" smtClean="0"/>
-              <a:t>2021/11/27</a:t>
+              <a:t>2021/11/28</a:t>
             </a:fld>
             <a:endParaRPr lang="zh-CN" altLang="en-US"/>
           </a:p>
@@ -9904,6 +9905,1119 @@
 </p:sld>
 </file>
 
+<file path=ppt/slides/slide5.xml><?xml version="1.0" encoding="utf-8"?>
+<p:sld xmlns:a="http://schemas.openxmlformats.org/drawingml/2006/main" xmlns:r="http://schemas.openxmlformats.org/officeDocument/2006/relationships" xmlns:p="http://schemas.openxmlformats.org/presentationml/2006/main">
+  <p:cSld>
+    <p:spTree>
+      <p:nvGrpSpPr>
+        <p:cNvPr id="1" name=""/>
+        <p:cNvGrpSpPr/>
+        <p:nvPr/>
+      </p:nvGrpSpPr>
+      <p:grpSpPr>
+        <a:xfrm>
+          <a:off x="0" y="0"/>
+          <a:ext cx="0" cy="0"/>
+          <a:chOff x="0" y="0"/>
+          <a:chExt cx="0" cy="0"/>
+        </a:xfrm>
+      </p:grpSpPr>
+      <p:grpSp>
+        <p:nvGrpSpPr>
+          <p:cNvPr id="5" name="组合 4">
+            <a:extLst>
+              <a:ext uri="{FF2B5EF4-FFF2-40B4-BE49-F238E27FC236}">
+                <a16:creationId xmlns:a16="http://schemas.microsoft.com/office/drawing/2014/main" id="{00FCAE2C-D718-4788-8897-30D8D37521AB}"/>
+              </a:ext>
+            </a:extLst>
+          </p:cNvPr>
+          <p:cNvGrpSpPr/>
+          <p:nvPr/>
+        </p:nvGrpSpPr>
+        <p:grpSpPr>
+          <a:xfrm>
+            <a:off x="444490" y="351050"/>
+            <a:ext cx="5490895" cy="3722131"/>
+            <a:chOff x="444490" y="388757"/>
+            <a:chExt cx="5490895" cy="3722131"/>
+          </a:xfrm>
+        </p:grpSpPr>
+        <p:cxnSp>
+          <p:nvCxnSpPr>
+            <p:cNvPr id="7" name="直接箭头连接符 6">
+              <a:extLst>
+                <a:ext uri="{FF2B5EF4-FFF2-40B4-BE49-F238E27FC236}">
+                  <a16:creationId xmlns:a16="http://schemas.microsoft.com/office/drawing/2014/main" id="{B7AD408D-8FF4-4268-8428-0AD7B6C9DD12}"/>
+                </a:ext>
+              </a:extLst>
+            </p:cNvPr>
+            <p:cNvCxnSpPr>
+              <a:cxnSpLocks/>
+            </p:cNvCxnSpPr>
+            <p:nvPr/>
+          </p:nvCxnSpPr>
+          <p:spPr>
+            <a:xfrm>
+              <a:off x="815054" y="394232"/>
+              <a:ext cx="1621520" cy="0"/>
+            </a:xfrm>
+            <a:prstGeom prst="straightConnector1">
+              <a:avLst/>
+            </a:prstGeom>
+            <a:ln w="19050">
+              <a:solidFill>
+                <a:schemeClr val="tx1"/>
+              </a:solidFill>
+              <a:tailEnd type="triangle" w="lg" len="lg"/>
+            </a:ln>
+          </p:spPr>
+          <p:style>
+            <a:lnRef idx="1">
+              <a:schemeClr val="accent1"/>
+            </a:lnRef>
+            <a:fillRef idx="0">
+              <a:schemeClr val="accent1"/>
+            </a:fillRef>
+            <a:effectRef idx="0">
+              <a:schemeClr val="accent1"/>
+            </a:effectRef>
+            <a:fontRef idx="minor">
+              <a:schemeClr val="tx1"/>
+            </a:fontRef>
+          </p:style>
+        </p:cxnSp>
+        <p:cxnSp>
+          <p:nvCxnSpPr>
+            <p:cNvPr id="8" name="直接箭头连接符 7">
+              <a:extLst>
+                <a:ext uri="{FF2B5EF4-FFF2-40B4-BE49-F238E27FC236}">
+                  <a16:creationId xmlns:a16="http://schemas.microsoft.com/office/drawing/2014/main" id="{E284410B-BADA-446A-B67B-B679EFC7D98E}"/>
+                </a:ext>
+              </a:extLst>
+            </p:cNvPr>
+            <p:cNvCxnSpPr>
+              <a:cxnSpLocks/>
+            </p:cNvCxnSpPr>
+            <p:nvPr/>
+          </p:nvCxnSpPr>
+          <p:spPr>
+            <a:xfrm>
+              <a:off x="815054" y="1231064"/>
+              <a:ext cx="1621520" cy="0"/>
+            </a:xfrm>
+            <a:prstGeom prst="straightConnector1">
+              <a:avLst/>
+            </a:prstGeom>
+            <a:ln w="19050">
+              <a:solidFill>
+                <a:schemeClr val="tx1"/>
+              </a:solidFill>
+              <a:tailEnd type="triangle" w="lg" len="lg"/>
+            </a:ln>
+          </p:spPr>
+          <p:style>
+            <a:lnRef idx="1">
+              <a:schemeClr val="accent1"/>
+            </a:lnRef>
+            <a:fillRef idx="0">
+              <a:schemeClr val="accent1"/>
+            </a:fillRef>
+            <a:effectRef idx="0">
+              <a:schemeClr val="accent1"/>
+            </a:effectRef>
+            <a:fontRef idx="minor">
+              <a:schemeClr val="tx1"/>
+            </a:fontRef>
+          </p:style>
+        </p:cxnSp>
+        <p:cxnSp>
+          <p:nvCxnSpPr>
+            <p:cNvPr id="9" name="直接箭头连接符 8">
+              <a:extLst>
+                <a:ext uri="{FF2B5EF4-FFF2-40B4-BE49-F238E27FC236}">
+                  <a16:creationId xmlns:a16="http://schemas.microsoft.com/office/drawing/2014/main" id="{5B8EC89B-96B3-486F-8828-1738F060EB41}"/>
+                </a:ext>
+              </a:extLst>
+            </p:cNvPr>
+            <p:cNvCxnSpPr>
+              <a:cxnSpLocks/>
+            </p:cNvCxnSpPr>
+            <p:nvPr/>
+          </p:nvCxnSpPr>
+          <p:spPr>
+            <a:xfrm>
+              <a:off x="815054" y="2067896"/>
+              <a:ext cx="1621520" cy="0"/>
+            </a:xfrm>
+            <a:prstGeom prst="straightConnector1">
+              <a:avLst/>
+            </a:prstGeom>
+            <a:ln w="19050">
+              <a:solidFill>
+                <a:schemeClr val="tx1"/>
+              </a:solidFill>
+              <a:tailEnd type="triangle" w="lg" len="lg"/>
+            </a:ln>
+          </p:spPr>
+          <p:style>
+            <a:lnRef idx="1">
+              <a:schemeClr val="accent1"/>
+            </a:lnRef>
+            <a:fillRef idx="0">
+              <a:schemeClr val="accent1"/>
+            </a:fillRef>
+            <a:effectRef idx="0">
+              <a:schemeClr val="accent1"/>
+            </a:effectRef>
+            <a:fontRef idx="minor">
+              <a:schemeClr val="tx1"/>
+            </a:fontRef>
+          </p:style>
+        </p:cxnSp>
+        <p:grpSp>
+          <p:nvGrpSpPr>
+            <p:cNvPr id="13" name="组合 12">
+              <a:extLst>
+                <a:ext uri="{FF2B5EF4-FFF2-40B4-BE49-F238E27FC236}">
+                  <a16:creationId xmlns:a16="http://schemas.microsoft.com/office/drawing/2014/main" id="{B3EDFDE2-3988-42FF-B844-5156FDF2FFE2}"/>
+                </a:ext>
+              </a:extLst>
+            </p:cNvPr>
+            <p:cNvGrpSpPr/>
+            <p:nvPr/>
+          </p:nvGrpSpPr>
+          <p:grpSpPr>
+            <a:xfrm>
+              <a:off x="2458475" y="388757"/>
+              <a:ext cx="3476910" cy="836830"/>
+              <a:chOff x="3340022" y="1303157"/>
+              <a:chExt cx="3865667" cy="836830"/>
+            </a:xfrm>
+          </p:grpSpPr>
+          <p:sp>
+            <p:nvSpPr>
+              <p:cNvPr id="40" name="文本框 39">
+                <a:extLst>
+                  <a:ext uri="{FF2B5EF4-FFF2-40B4-BE49-F238E27FC236}">
+                    <a16:creationId xmlns:a16="http://schemas.microsoft.com/office/drawing/2014/main" id="{4F166C77-FD25-4904-BE2E-099040B7A8BA}"/>
+                  </a:ext>
+                </a:extLst>
+              </p:cNvPr>
+              <p:cNvSpPr txBox="1"/>
+              <p:nvPr/>
+            </p:nvSpPr>
+            <p:spPr>
+              <a:xfrm>
+                <a:off x="3340024" y="1303157"/>
+                <a:ext cx="333634" cy="369332"/>
+              </a:xfrm>
+              <a:prstGeom prst="rect">
+                <a:avLst/>
+              </a:prstGeom>
+              <a:noFill/>
+            </p:spPr>
+            <p:txBody>
+              <a:bodyPr wrap="none" rtlCol="0">
+                <a:spAutoFit/>
+              </a:bodyPr>
+              <a:lstStyle/>
+              <a:p>
+                <a:r>
+                  <a:rPr lang="en-US" altLang="zh-CN" b="1" dirty="0">
+                    <a:latin typeface="Times New Roman" panose="02020603050405020304" pitchFamily="18" charset="0"/>
+                    <a:cs typeface="Times New Roman" panose="02020603050405020304" pitchFamily="18" charset="0"/>
+                  </a:rPr>
+                  <a:t>5</a:t>
+                </a:r>
+                <a:endParaRPr lang="zh-CN" altLang="en-US" b="1" dirty="0">
+                  <a:latin typeface="Times New Roman" panose="02020603050405020304" pitchFamily="18" charset="0"/>
+                  <a:cs typeface="Times New Roman" panose="02020603050405020304" pitchFamily="18" charset="0"/>
+                </a:endParaRPr>
+              </a:p>
+            </p:txBody>
+          </p:sp>
+          <p:sp>
+            <p:nvSpPr>
+              <p:cNvPr id="41" name="矩形 40">
+                <a:extLst>
+                  <a:ext uri="{FF2B5EF4-FFF2-40B4-BE49-F238E27FC236}">
+                    <a16:creationId xmlns:a16="http://schemas.microsoft.com/office/drawing/2014/main" id="{DCFC40D5-A69C-4F4B-A0C1-83AC71FBE210}"/>
+                  </a:ext>
+                </a:extLst>
+              </p:cNvPr>
+              <p:cNvSpPr/>
+              <p:nvPr/>
+            </p:nvSpPr>
+            <p:spPr>
+              <a:xfrm>
+                <a:off x="3340022" y="1303157"/>
+                <a:ext cx="3865667" cy="836830"/>
+              </a:xfrm>
+              <a:prstGeom prst="rect">
+                <a:avLst/>
+              </a:prstGeom>
+              <a:noFill/>
+              <a:ln w="19050">
+                <a:solidFill>
+                  <a:schemeClr val="tx1"/>
+                </a:solidFill>
+              </a:ln>
+            </p:spPr>
+            <p:style>
+              <a:lnRef idx="2">
+                <a:schemeClr val="accent1">
+                  <a:shade val="50000"/>
+                </a:schemeClr>
+              </a:lnRef>
+              <a:fillRef idx="1">
+                <a:schemeClr val="accent1"/>
+              </a:fillRef>
+              <a:effectRef idx="0">
+                <a:schemeClr val="accent1"/>
+              </a:effectRef>
+              <a:fontRef idx="minor">
+                <a:schemeClr val="lt1"/>
+              </a:fontRef>
+            </p:style>
+            <p:txBody>
+              <a:bodyPr rtlCol="0" anchor="ctr"/>
+              <a:lstStyle/>
+              <a:p>
+                <a:pPr algn="ctr"/>
+                <a:endParaRPr lang="zh-CN" altLang="en-US" sz="2000" dirty="0"/>
+              </a:p>
+            </p:txBody>
+          </p:sp>
+        </p:grpSp>
+        <p:sp>
+          <p:nvSpPr>
+            <p:cNvPr id="35" name="文本框 34">
+              <a:extLst>
+                <a:ext uri="{FF2B5EF4-FFF2-40B4-BE49-F238E27FC236}">
+                  <a16:creationId xmlns:a16="http://schemas.microsoft.com/office/drawing/2014/main" id="{8E61B3A7-68AF-4D92-A4EE-C03DE7A11800}"/>
+                </a:ext>
+              </a:extLst>
+            </p:cNvPr>
+            <p:cNvSpPr txBox="1"/>
+            <p:nvPr/>
+          </p:nvSpPr>
+          <p:spPr>
+            <a:xfrm>
+              <a:off x="2458476" y="3741556"/>
+              <a:ext cx="287258" cy="369332"/>
+            </a:xfrm>
+            <a:prstGeom prst="rect">
+              <a:avLst/>
+            </a:prstGeom>
+            <a:noFill/>
+          </p:spPr>
+          <p:txBody>
+            <a:bodyPr wrap="square" rtlCol="0">
+              <a:spAutoFit/>
+            </a:bodyPr>
+            <a:lstStyle/>
+            <a:p>
+              <a:endParaRPr lang="zh-CN" altLang="en-US" b="1" dirty="0">
+                <a:latin typeface="Times New Roman" panose="02020603050405020304" pitchFamily="18" charset="0"/>
+                <a:cs typeface="Times New Roman" panose="02020603050405020304" pitchFamily="18" charset="0"/>
+              </a:endParaRPr>
+            </a:p>
+          </p:txBody>
+        </p:sp>
+        <p:sp>
+          <p:nvSpPr>
+            <p:cNvPr id="32" name="文本框 31">
+              <a:extLst>
+                <a:ext uri="{FF2B5EF4-FFF2-40B4-BE49-F238E27FC236}">
+                  <a16:creationId xmlns:a16="http://schemas.microsoft.com/office/drawing/2014/main" id="{4C6C50D0-72A1-429E-BC9E-9F269A0BB187}"/>
+                </a:ext>
+              </a:extLst>
+            </p:cNvPr>
+            <p:cNvSpPr txBox="1"/>
+            <p:nvPr/>
+          </p:nvSpPr>
+          <p:spPr>
+            <a:xfrm>
+              <a:off x="2458476" y="2903117"/>
+              <a:ext cx="287258" cy="369332"/>
+            </a:xfrm>
+            <a:prstGeom prst="rect">
+              <a:avLst/>
+            </a:prstGeom>
+            <a:noFill/>
+          </p:spPr>
+          <p:txBody>
+            <a:bodyPr wrap="square" rtlCol="0">
+              <a:spAutoFit/>
+            </a:bodyPr>
+            <a:lstStyle/>
+            <a:p>
+              <a:endParaRPr lang="zh-CN" altLang="en-US" b="1" dirty="0">
+                <a:latin typeface="Times New Roman" panose="02020603050405020304" pitchFamily="18" charset="0"/>
+                <a:cs typeface="Times New Roman" panose="02020603050405020304" pitchFamily="18" charset="0"/>
+              </a:endParaRPr>
+            </a:p>
+          </p:txBody>
+        </p:sp>
+        <p:grpSp>
+          <p:nvGrpSpPr>
+            <p:cNvPr id="17" name="组合 16">
+              <a:extLst>
+                <a:ext uri="{FF2B5EF4-FFF2-40B4-BE49-F238E27FC236}">
+                  <a16:creationId xmlns:a16="http://schemas.microsoft.com/office/drawing/2014/main" id="{2871090D-AA0B-43A9-A37A-B3EDAB2E10B8}"/>
+                </a:ext>
+              </a:extLst>
+            </p:cNvPr>
+            <p:cNvGrpSpPr/>
+            <p:nvPr/>
+          </p:nvGrpSpPr>
+          <p:grpSpPr>
+            <a:xfrm>
+              <a:off x="2458474" y="2065698"/>
+              <a:ext cx="3476910" cy="836831"/>
+              <a:chOff x="3340022" y="2974623"/>
+              <a:chExt cx="3476910" cy="836831"/>
+            </a:xfrm>
+          </p:grpSpPr>
+          <p:sp>
+            <p:nvSpPr>
+              <p:cNvPr id="28" name="文本框 27">
+                <a:extLst>
+                  <a:ext uri="{FF2B5EF4-FFF2-40B4-BE49-F238E27FC236}">
+                    <a16:creationId xmlns:a16="http://schemas.microsoft.com/office/drawing/2014/main" id="{D75E1573-FBCE-45F1-A3CD-DD338DC6D827}"/>
+                  </a:ext>
+                </a:extLst>
+              </p:cNvPr>
+              <p:cNvSpPr txBox="1"/>
+              <p:nvPr/>
+            </p:nvSpPr>
+            <p:spPr>
+              <a:xfrm>
+                <a:off x="3340024" y="2974623"/>
+                <a:ext cx="287258" cy="369332"/>
+              </a:xfrm>
+              <a:prstGeom prst="rect">
+                <a:avLst/>
+              </a:prstGeom>
+              <a:noFill/>
+            </p:spPr>
+            <p:txBody>
+              <a:bodyPr wrap="square" rtlCol="0">
+                <a:spAutoFit/>
+              </a:bodyPr>
+              <a:lstStyle/>
+              <a:p>
+                <a:r>
+                  <a:rPr lang="en-US" altLang="zh-CN" b="1" dirty="0">
+                    <a:latin typeface="Times New Roman" panose="02020603050405020304" pitchFamily="18" charset="0"/>
+                    <a:cs typeface="Times New Roman" panose="02020603050405020304" pitchFamily="18" charset="0"/>
+                  </a:rPr>
+                  <a:t>3</a:t>
+                </a:r>
+                <a:endParaRPr lang="zh-CN" altLang="en-US" b="1" dirty="0">
+                  <a:latin typeface="Times New Roman" panose="02020603050405020304" pitchFamily="18" charset="0"/>
+                  <a:cs typeface="Times New Roman" panose="02020603050405020304" pitchFamily="18" charset="0"/>
+                </a:endParaRPr>
+              </a:p>
+            </p:txBody>
+          </p:sp>
+          <p:sp>
+            <p:nvSpPr>
+              <p:cNvPr id="29" name="矩形 28">
+                <a:extLst>
+                  <a:ext uri="{FF2B5EF4-FFF2-40B4-BE49-F238E27FC236}">
+                    <a16:creationId xmlns:a16="http://schemas.microsoft.com/office/drawing/2014/main" id="{0F15FDCE-1318-43BB-8C66-5C13E88F3A2E}"/>
+                  </a:ext>
+                </a:extLst>
+              </p:cNvPr>
+              <p:cNvSpPr/>
+              <p:nvPr/>
+            </p:nvSpPr>
+            <p:spPr>
+              <a:xfrm>
+                <a:off x="3340022" y="2974624"/>
+                <a:ext cx="3476910" cy="836830"/>
+              </a:xfrm>
+              <a:prstGeom prst="rect">
+                <a:avLst/>
+              </a:prstGeom>
+              <a:noFill/>
+              <a:ln w="19050">
+                <a:solidFill>
+                  <a:schemeClr val="tx1"/>
+                </a:solidFill>
+              </a:ln>
+            </p:spPr>
+            <p:style>
+              <a:lnRef idx="2">
+                <a:schemeClr val="accent1">
+                  <a:shade val="50000"/>
+                </a:schemeClr>
+              </a:lnRef>
+              <a:fillRef idx="1">
+                <a:schemeClr val="accent1"/>
+              </a:fillRef>
+              <a:effectRef idx="0">
+                <a:schemeClr val="accent1"/>
+              </a:effectRef>
+              <a:fontRef idx="minor">
+                <a:schemeClr val="lt1"/>
+              </a:fontRef>
+            </p:style>
+            <p:txBody>
+              <a:bodyPr rtlCol="0" anchor="ctr"/>
+              <a:lstStyle/>
+              <a:p>
+                <a:pPr algn="ctr"/>
+                <a:endParaRPr lang="zh-CN" altLang="en-US" sz="2000" dirty="0"/>
+              </a:p>
+            </p:txBody>
+          </p:sp>
+          <p:sp>
+            <p:nvSpPr>
+              <p:cNvPr id="30" name="矩形: 圆角 29">
+                <a:extLst>
+                  <a:ext uri="{FF2B5EF4-FFF2-40B4-BE49-F238E27FC236}">
+                    <a16:creationId xmlns:a16="http://schemas.microsoft.com/office/drawing/2014/main" id="{CFEA97E1-FF72-4B78-B29B-2F07F5D645B3}"/>
+                  </a:ext>
+                </a:extLst>
+              </p:cNvPr>
+              <p:cNvSpPr/>
+              <p:nvPr/>
+            </p:nvSpPr>
+            <p:spPr>
+              <a:xfrm>
+                <a:off x="3951019" y="3153175"/>
+                <a:ext cx="1070532" cy="470312"/>
+              </a:xfrm>
+              <a:prstGeom prst="roundRect">
+                <a:avLst/>
+              </a:prstGeom>
+              <a:solidFill>
+                <a:schemeClr val="bg1"/>
+              </a:solidFill>
+              <a:ln>
+                <a:noFill/>
+              </a:ln>
+            </p:spPr>
+            <p:style>
+              <a:lnRef idx="2">
+                <a:schemeClr val="accent1">
+                  <a:shade val="50000"/>
+                </a:schemeClr>
+              </a:lnRef>
+              <a:fillRef idx="1">
+                <a:schemeClr val="accent1"/>
+              </a:fillRef>
+              <a:effectRef idx="0">
+                <a:schemeClr val="accent1"/>
+              </a:effectRef>
+              <a:fontRef idx="minor">
+                <a:schemeClr val="lt1"/>
+              </a:fontRef>
+            </p:style>
+            <p:txBody>
+              <a:bodyPr rtlCol="0" anchor="ctr"/>
+              <a:lstStyle/>
+              <a:p>
+                <a:pPr algn="ctr"/>
+                <a:r>
+                  <a:rPr lang="zh-CN" altLang="en-US" sz="1600" dirty="0">
+                    <a:solidFill>
+                      <a:schemeClr val="tx1"/>
+                    </a:solidFill>
+                    <a:latin typeface="宋体" panose="02010600030101010101" pitchFamily="2" charset="-122"/>
+                    <a:ea typeface="宋体" panose="02010600030101010101" pitchFamily="2" charset="-122"/>
+                  </a:rPr>
+                  <a:t>账密验证</a:t>
+                </a:r>
+              </a:p>
+            </p:txBody>
+          </p:sp>
+        </p:grpSp>
+        <p:grpSp>
+          <p:nvGrpSpPr>
+            <p:cNvPr id="18" name="组合 17">
+              <a:extLst>
+                <a:ext uri="{FF2B5EF4-FFF2-40B4-BE49-F238E27FC236}">
+                  <a16:creationId xmlns:a16="http://schemas.microsoft.com/office/drawing/2014/main" id="{2978D165-C3E3-476B-AEEC-F8EA24DF04B2}"/>
+                </a:ext>
+              </a:extLst>
+            </p:cNvPr>
+            <p:cNvGrpSpPr/>
+            <p:nvPr/>
+          </p:nvGrpSpPr>
+          <p:grpSpPr>
+            <a:xfrm>
+              <a:off x="2458474" y="1228062"/>
+              <a:ext cx="3476910" cy="836831"/>
+              <a:chOff x="3340022" y="2136987"/>
+              <a:chExt cx="3476910" cy="836831"/>
+            </a:xfrm>
+          </p:grpSpPr>
+          <p:sp>
+            <p:nvSpPr>
+              <p:cNvPr id="25" name="文本框 24">
+                <a:extLst>
+                  <a:ext uri="{FF2B5EF4-FFF2-40B4-BE49-F238E27FC236}">
+                    <a16:creationId xmlns:a16="http://schemas.microsoft.com/office/drawing/2014/main" id="{235FD22E-6F64-4388-8DC7-350F3982211B}"/>
+                  </a:ext>
+                </a:extLst>
+              </p:cNvPr>
+              <p:cNvSpPr txBox="1"/>
+              <p:nvPr/>
+            </p:nvSpPr>
+            <p:spPr>
+              <a:xfrm>
+                <a:off x="3340024" y="2136987"/>
+                <a:ext cx="287258" cy="369332"/>
+              </a:xfrm>
+              <a:prstGeom prst="rect">
+                <a:avLst/>
+              </a:prstGeom>
+              <a:noFill/>
+            </p:spPr>
+            <p:txBody>
+              <a:bodyPr wrap="square" rtlCol="0">
+                <a:spAutoFit/>
+              </a:bodyPr>
+              <a:lstStyle/>
+              <a:p>
+                <a:r>
+                  <a:rPr lang="en-US" altLang="zh-CN" b="1" dirty="0">
+                    <a:latin typeface="Times New Roman" panose="02020603050405020304" pitchFamily="18" charset="0"/>
+                    <a:cs typeface="Times New Roman" panose="02020603050405020304" pitchFamily="18" charset="0"/>
+                  </a:rPr>
+                  <a:t>4</a:t>
+                </a:r>
+                <a:endParaRPr lang="zh-CN" altLang="en-US" b="1" dirty="0">
+                  <a:latin typeface="Times New Roman" panose="02020603050405020304" pitchFamily="18" charset="0"/>
+                  <a:cs typeface="Times New Roman" panose="02020603050405020304" pitchFamily="18" charset="0"/>
+                </a:endParaRPr>
+              </a:p>
+            </p:txBody>
+          </p:sp>
+          <p:sp>
+            <p:nvSpPr>
+              <p:cNvPr id="26" name="矩形 25">
+                <a:extLst>
+                  <a:ext uri="{FF2B5EF4-FFF2-40B4-BE49-F238E27FC236}">
+                    <a16:creationId xmlns:a16="http://schemas.microsoft.com/office/drawing/2014/main" id="{2DFBA261-4D98-498D-9565-992CDBDFF416}"/>
+                  </a:ext>
+                </a:extLst>
+              </p:cNvPr>
+              <p:cNvSpPr/>
+              <p:nvPr/>
+            </p:nvSpPr>
+            <p:spPr>
+              <a:xfrm>
+                <a:off x="3340022" y="2136988"/>
+                <a:ext cx="3476910" cy="836830"/>
+              </a:xfrm>
+              <a:prstGeom prst="rect">
+                <a:avLst/>
+              </a:prstGeom>
+              <a:noFill/>
+              <a:ln w="19050">
+                <a:solidFill>
+                  <a:schemeClr val="tx1"/>
+                </a:solidFill>
+              </a:ln>
+            </p:spPr>
+            <p:style>
+              <a:lnRef idx="2">
+                <a:schemeClr val="accent1">
+                  <a:shade val="50000"/>
+                </a:schemeClr>
+              </a:lnRef>
+              <a:fillRef idx="1">
+                <a:schemeClr val="accent1"/>
+              </a:fillRef>
+              <a:effectRef idx="0">
+                <a:schemeClr val="accent1"/>
+              </a:effectRef>
+              <a:fontRef idx="minor">
+                <a:schemeClr val="lt1"/>
+              </a:fontRef>
+            </p:style>
+            <p:txBody>
+              <a:bodyPr rtlCol="0" anchor="ctr"/>
+              <a:lstStyle/>
+              <a:p>
+                <a:pPr algn="ctr"/>
+                <a:endParaRPr lang="zh-CN" altLang="en-US" sz="2000" dirty="0"/>
+              </a:p>
+            </p:txBody>
+          </p:sp>
+          <p:sp>
+            <p:nvSpPr>
+              <p:cNvPr id="27" name="矩形: 圆角 26">
+                <a:extLst>
+                  <a:ext uri="{FF2B5EF4-FFF2-40B4-BE49-F238E27FC236}">
+                    <a16:creationId xmlns:a16="http://schemas.microsoft.com/office/drawing/2014/main" id="{0EE91A42-BC8E-43D0-A175-237025DAAD22}"/>
+                  </a:ext>
+                </a:extLst>
+              </p:cNvPr>
+              <p:cNvSpPr/>
+              <p:nvPr/>
+            </p:nvSpPr>
+            <p:spPr>
+              <a:xfrm>
+                <a:off x="4585880" y="2299989"/>
+                <a:ext cx="1112765" cy="470312"/>
+              </a:xfrm>
+              <a:prstGeom prst="roundRect">
+                <a:avLst/>
+              </a:prstGeom>
+              <a:solidFill>
+                <a:schemeClr val="bg1"/>
+              </a:solidFill>
+              <a:ln>
+                <a:noFill/>
+              </a:ln>
+            </p:spPr>
+            <p:style>
+              <a:lnRef idx="2">
+                <a:schemeClr val="accent1">
+                  <a:shade val="50000"/>
+                </a:schemeClr>
+              </a:lnRef>
+              <a:fillRef idx="1">
+                <a:schemeClr val="accent1"/>
+              </a:fillRef>
+              <a:effectRef idx="0">
+                <a:schemeClr val="accent1"/>
+              </a:effectRef>
+              <a:fontRef idx="minor">
+                <a:schemeClr val="lt1"/>
+              </a:fontRef>
+            </p:style>
+            <p:txBody>
+              <a:bodyPr rtlCol="0" anchor="ctr"/>
+              <a:lstStyle/>
+              <a:p>
+                <a:pPr algn="ctr"/>
+                <a:r>
+                  <a:rPr lang="zh-CN" altLang="en-US" sz="1600" dirty="0">
+                    <a:solidFill>
+                      <a:schemeClr val="tx1"/>
+                    </a:solidFill>
+                    <a:latin typeface="宋体" panose="02010600030101010101" pitchFamily="2" charset="-122"/>
+                    <a:ea typeface="宋体" panose="02010600030101010101" pitchFamily="2" charset="-122"/>
+                  </a:rPr>
+                  <a:t>邮件构建</a:t>
+                </a:r>
+              </a:p>
+            </p:txBody>
+          </p:sp>
+        </p:grpSp>
+        <p:sp>
+          <p:nvSpPr>
+            <p:cNvPr id="19" name="矩形: 圆角 18">
+              <a:extLst>
+                <a:ext uri="{FF2B5EF4-FFF2-40B4-BE49-F238E27FC236}">
+                  <a16:creationId xmlns:a16="http://schemas.microsoft.com/office/drawing/2014/main" id="{FDBD9843-BB75-4603-BC2C-30E620FF2898}"/>
+                </a:ext>
+              </a:extLst>
+            </p:cNvPr>
+            <p:cNvSpPr/>
+            <p:nvPr/>
+          </p:nvSpPr>
+          <p:spPr>
+            <a:xfrm>
+              <a:off x="3069471" y="558034"/>
+              <a:ext cx="1093186" cy="470312"/>
+            </a:xfrm>
+            <a:prstGeom prst="roundRect">
+              <a:avLst/>
+            </a:prstGeom>
+            <a:solidFill>
+              <a:schemeClr val="bg1"/>
+            </a:solidFill>
+            <a:ln>
+              <a:noFill/>
+            </a:ln>
+          </p:spPr>
+          <p:style>
+            <a:lnRef idx="2">
+              <a:schemeClr val="accent1">
+                <a:shade val="50000"/>
+              </a:schemeClr>
+            </a:lnRef>
+            <a:fillRef idx="1">
+              <a:schemeClr val="accent1"/>
+            </a:fillRef>
+            <a:effectRef idx="0">
+              <a:schemeClr val="accent1"/>
+            </a:effectRef>
+            <a:fontRef idx="minor">
+              <a:schemeClr val="lt1"/>
+            </a:fontRef>
+          </p:style>
+          <p:txBody>
+            <a:bodyPr rtlCol="0" anchor="ctr"/>
+            <a:lstStyle/>
+            <a:p>
+              <a:pPr algn="ctr"/>
+              <a:r>
+                <a:rPr lang="zh-CN" altLang="en-US" sz="1600" dirty="0">
+                  <a:solidFill>
+                    <a:schemeClr val="tx1"/>
+                  </a:solidFill>
+                  <a:latin typeface="宋体" panose="02010600030101010101" pitchFamily="2" charset="-122"/>
+                  <a:ea typeface="宋体" panose="02010600030101010101" pitchFamily="2" charset="-122"/>
+                </a:rPr>
+                <a:t>邮件发送</a:t>
+              </a:r>
+            </a:p>
+          </p:txBody>
+        </p:sp>
+        <p:sp>
+          <p:nvSpPr>
+            <p:cNvPr id="22" name="文本框 21">
+              <a:extLst>
+                <a:ext uri="{FF2B5EF4-FFF2-40B4-BE49-F238E27FC236}">
+                  <a16:creationId xmlns:a16="http://schemas.microsoft.com/office/drawing/2014/main" id="{97504941-29EE-4638-A546-A7784551ED3C}"/>
+                </a:ext>
+              </a:extLst>
+            </p:cNvPr>
+            <p:cNvSpPr txBox="1"/>
+            <p:nvPr/>
+          </p:nvSpPr>
+          <p:spPr>
+            <a:xfrm>
+              <a:off x="446986" y="2043429"/>
+              <a:ext cx="1910930" cy="523220"/>
+            </a:xfrm>
+            <a:prstGeom prst="rect">
+              <a:avLst/>
+            </a:prstGeom>
+            <a:noFill/>
+          </p:spPr>
+          <p:txBody>
+            <a:bodyPr wrap="square" rtlCol="0">
+              <a:spAutoFit/>
+            </a:bodyPr>
+            <a:lstStyle/>
+            <a:p>
+              <a:pPr algn="r"/>
+              <a:r>
+                <a:rPr lang="zh-CN" altLang="en-US" sz="1400" b="1" dirty="0">
+                  <a:latin typeface="宋体" panose="02010600030101010101" pitchFamily="2" charset="-122"/>
+                  <a:ea typeface="宋体" panose="02010600030101010101" pitchFamily="2" charset="-122"/>
+                </a:rPr>
+                <a:t>不完整的</a:t>
+              </a:r>
+              <a:r>
+                <a:rPr lang="zh-CN" altLang="en-US" sz="1400" dirty="0">
+                  <a:latin typeface="宋体" panose="02010600030101010101" pitchFamily="2" charset="-122"/>
+                  <a:ea typeface="宋体" panose="02010600030101010101" pitchFamily="2" charset="-122"/>
+                </a:rPr>
+                <a:t>发件地址</a:t>
+              </a:r>
+              <a:endParaRPr lang="en-US" altLang="zh-CN" sz="1400" dirty="0">
+                <a:latin typeface="宋体" panose="02010600030101010101" pitchFamily="2" charset="-122"/>
+                <a:ea typeface="宋体" panose="02010600030101010101" pitchFamily="2" charset="-122"/>
+              </a:endParaRPr>
+            </a:p>
+            <a:p>
+              <a:pPr algn="r"/>
+              <a:r>
+                <a:rPr lang="zh-CN" altLang="en-US" sz="1400" dirty="0">
+                  <a:latin typeface="宋体" panose="02010600030101010101" pitchFamily="2" charset="-122"/>
+                  <a:ea typeface="宋体" panose="02010600030101010101" pitchFamily="2" charset="-122"/>
+                </a:rPr>
+                <a:t>权限控制</a:t>
+              </a:r>
+            </a:p>
+          </p:txBody>
+        </p:sp>
+        <p:sp>
+          <p:nvSpPr>
+            <p:cNvPr id="23" name="文本框 22">
+              <a:extLst>
+                <a:ext uri="{FF2B5EF4-FFF2-40B4-BE49-F238E27FC236}">
+                  <a16:creationId xmlns:a16="http://schemas.microsoft.com/office/drawing/2014/main" id="{CDE69E7C-3BE9-4A5E-8F0A-6C22CCEE317D}"/>
+                </a:ext>
+              </a:extLst>
+            </p:cNvPr>
+            <p:cNvSpPr txBox="1"/>
+            <p:nvPr/>
+          </p:nvSpPr>
+          <p:spPr>
+            <a:xfrm>
+              <a:off x="446986" y="1206597"/>
+              <a:ext cx="1910930" cy="307777"/>
+            </a:xfrm>
+            <a:prstGeom prst="rect">
+              <a:avLst/>
+            </a:prstGeom>
+            <a:noFill/>
+          </p:spPr>
+          <p:txBody>
+            <a:bodyPr wrap="square" rtlCol="0">
+              <a:spAutoFit/>
+            </a:bodyPr>
+            <a:lstStyle/>
+            <a:p>
+              <a:pPr algn="r"/>
+              <a:r>
+                <a:rPr lang="zh-CN" altLang="en-US" sz="1400" dirty="0">
+                  <a:latin typeface="宋体" panose="02010600030101010101" pitchFamily="2" charset="-122"/>
+                  <a:ea typeface="宋体" panose="02010600030101010101" pitchFamily="2" charset="-122"/>
+                </a:rPr>
+                <a:t>待发送邮件</a:t>
+              </a:r>
+            </a:p>
+          </p:txBody>
+        </p:sp>
+        <p:sp>
+          <p:nvSpPr>
+            <p:cNvPr id="24" name="文本框 23">
+              <a:extLst>
+                <a:ext uri="{FF2B5EF4-FFF2-40B4-BE49-F238E27FC236}">
+                  <a16:creationId xmlns:a16="http://schemas.microsoft.com/office/drawing/2014/main" id="{C2571693-6805-46C6-9453-C3E20802B2B5}"/>
+                </a:ext>
+              </a:extLst>
+            </p:cNvPr>
+            <p:cNvSpPr txBox="1"/>
+            <p:nvPr/>
+          </p:nvSpPr>
+          <p:spPr>
+            <a:xfrm>
+              <a:off x="444490" y="393026"/>
+              <a:ext cx="1910930" cy="307777"/>
+            </a:xfrm>
+            <a:prstGeom prst="rect">
+              <a:avLst/>
+            </a:prstGeom>
+            <a:noFill/>
+          </p:spPr>
+          <p:txBody>
+            <a:bodyPr wrap="square" rtlCol="0">
+              <a:spAutoFit/>
+            </a:bodyPr>
+            <a:lstStyle/>
+            <a:p>
+              <a:pPr algn="r"/>
+              <a:r>
+                <a:rPr lang="en-US" altLang="zh-CN" sz="1400" dirty="0">
+                  <a:latin typeface="Times New Roman" panose="02020603050405020304" pitchFamily="18" charset="0"/>
+                  <a:ea typeface="宋体" panose="02010600030101010101" pitchFamily="2" charset="-122"/>
+                  <a:cs typeface="Times New Roman" panose="02020603050405020304" pitchFamily="18" charset="0"/>
+                </a:rPr>
+                <a:t>Yagmail</a:t>
+              </a:r>
+              <a:r>
+                <a:rPr lang="zh-CN" altLang="en-US" sz="1400" dirty="0">
+                  <a:latin typeface="Times New Roman" panose="02020603050405020304" pitchFamily="18" charset="0"/>
+                  <a:ea typeface="宋体" panose="02010600030101010101" pitchFamily="2" charset="-122"/>
+                  <a:cs typeface="Times New Roman" panose="02020603050405020304" pitchFamily="18" charset="0"/>
+                </a:rPr>
+                <a:t>邮件发送系统</a:t>
+              </a:r>
+              <a:r>
+                <a:rPr lang="zh-CN" altLang="en-US" sz="1400" b="1" dirty="0">
+                  <a:latin typeface="Times New Roman" panose="02020603050405020304" pitchFamily="18" charset="0"/>
+                  <a:ea typeface="宋体" panose="02010600030101010101" pitchFamily="2" charset="-122"/>
+                  <a:cs typeface="Times New Roman" panose="02020603050405020304" pitchFamily="18" charset="0"/>
+                </a:rPr>
+                <a:t>？</a:t>
+              </a:r>
+            </a:p>
+          </p:txBody>
+        </p:sp>
+      </p:grpSp>
+      <p:sp>
+        <p:nvSpPr>
+          <p:cNvPr id="6" name="矩形: 圆角 5">
+            <a:extLst>
+              <a:ext uri="{FF2B5EF4-FFF2-40B4-BE49-F238E27FC236}">
+                <a16:creationId xmlns:a16="http://schemas.microsoft.com/office/drawing/2014/main" id="{AFC954B2-6831-46C2-A3DA-A14ECBEAED02}"/>
+              </a:ext>
+            </a:extLst>
+          </p:cNvPr>
+          <p:cNvSpPr/>
+          <p:nvPr/>
+        </p:nvSpPr>
+        <p:spPr>
+          <a:xfrm>
+            <a:off x="4362279" y="2212988"/>
+            <a:ext cx="1373481" cy="470312"/>
+          </a:xfrm>
+          <a:prstGeom prst="roundRect">
+            <a:avLst/>
+          </a:prstGeom>
+          <a:noFill/>
+          <a:ln>
+            <a:noFill/>
+          </a:ln>
+        </p:spPr>
+        <p:style>
+          <a:lnRef idx="2">
+            <a:schemeClr val="accent1">
+              <a:shade val="50000"/>
+            </a:schemeClr>
+          </a:lnRef>
+          <a:fillRef idx="1">
+            <a:schemeClr val="accent1"/>
+          </a:fillRef>
+          <a:effectRef idx="0">
+            <a:schemeClr val="accent1"/>
+          </a:effectRef>
+          <a:fontRef idx="minor">
+            <a:schemeClr val="lt1"/>
+          </a:fontRef>
+        </p:style>
+        <p:txBody>
+          <a:bodyPr rtlCol="0" anchor="ctr"/>
+          <a:lstStyle/>
+          <a:p>
+            <a:pPr algn="ctr"/>
+            <a:r>
+              <a:rPr lang="en-US" altLang="zh-CN" sz="1600" dirty="0">
+                <a:solidFill>
+                  <a:schemeClr val="tx1"/>
+                </a:solidFill>
+                <a:latin typeface="Times New Roman" panose="02020603050405020304" pitchFamily="18" charset="0"/>
+                <a:ea typeface="宋体" panose="02010600030101010101" pitchFamily="2" charset="-122"/>
+                <a:cs typeface="Times New Roman" panose="02020603050405020304" pitchFamily="18" charset="0"/>
+              </a:rPr>
+              <a:t>Keyring</a:t>
+            </a:r>
+            <a:r>
+              <a:rPr lang="zh-CN" altLang="en-US" sz="1600" dirty="0">
+                <a:solidFill>
+                  <a:schemeClr val="tx1"/>
+                </a:solidFill>
+                <a:latin typeface="宋体" panose="02010600030101010101" pitchFamily="2" charset="-122"/>
+                <a:ea typeface="宋体" panose="02010600030101010101" pitchFamily="2" charset="-122"/>
+              </a:rPr>
+              <a:t>验证</a:t>
+            </a:r>
+          </a:p>
+        </p:txBody>
+      </p:sp>
+      <p:sp>
+        <p:nvSpPr>
+          <p:cNvPr id="42" name="矩形: 圆角 41">
+            <a:extLst>
+              <a:ext uri="{FF2B5EF4-FFF2-40B4-BE49-F238E27FC236}">
+                <a16:creationId xmlns:a16="http://schemas.microsoft.com/office/drawing/2014/main" id="{C9E2E28A-6B84-4C3E-9EE3-88DC7FEA4C7D}"/>
+              </a:ext>
+            </a:extLst>
+          </p:cNvPr>
+          <p:cNvSpPr/>
+          <p:nvPr/>
+        </p:nvSpPr>
+        <p:spPr>
+          <a:xfrm>
+            <a:off x="4448580" y="518676"/>
+            <a:ext cx="1200881" cy="470312"/>
+          </a:xfrm>
+          <a:prstGeom prst="roundRect">
+            <a:avLst/>
+          </a:prstGeom>
+          <a:solidFill>
+            <a:schemeClr val="bg1"/>
+          </a:solidFill>
+          <a:ln>
+            <a:noFill/>
+          </a:ln>
+        </p:spPr>
+        <p:style>
+          <a:lnRef idx="2">
+            <a:schemeClr val="accent1">
+              <a:shade val="50000"/>
+            </a:schemeClr>
+          </a:lnRef>
+          <a:fillRef idx="1">
+            <a:schemeClr val="accent1"/>
+          </a:fillRef>
+          <a:effectRef idx="0">
+            <a:schemeClr val="accent1"/>
+          </a:effectRef>
+          <a:fontRef idx="minor">
+            <a:schemeClr val="lt1"/>
+          </a:fontRef>
+        </p:style>
+        <p:txBody>
+          <a:bodyPr rtlCol="0" anchor="ctr"/>
+          <a:lstStyle/>
+          <a:p>
+            <a:pPr algn="ctr"/>
+            <a:r>
+              <a:rPr lang="en-US" altLang="zh-CN" sz="1600" dirty="0">
+                <a:solidFill>
+                  <a:schemeClr val="tx1"/>
+                </a:solidFill>
+                <a:latin typeface="Times New Roman" panose="02020603050405020304" pitchFamily="18" charset="0"/>
+                <a:ea typeface="宋体" panose="02010600030101010101" pitchFamily="2" charset="-122"/>
+                <a:cs typeface="Times New Roman" panose="02020603050405020304" pitchFamily="18" charset="0"/>
+              </a:rPr>
+              <a:t>OAuth</a:t>
+            </a:r>
+            <a:r>
+              <a:rPr lang="zh-CN" altLang="en-US" sz="1600" dirty="0">
+                <a:solidFill>
+                  <a:schemeClr val="tx1"/>
+                </a:solidFill>
+                <a:latin typeface="宋体" panose="02010600030101010101" pitchFamily="2" charset="-122"/>
+                <a:ea typeface="宋体" panose="02010600030101010101" pitchFamily="2" charset="-122"/>
+              </a:rPr>
+              <a:t>验证</a:t>
+            </a:r>
+          </a:p>
+        </p:txBody>
+      </p:sp>
+      <p:sp>
+        <p:nvSpPr>
+          <p:cNvPr id="44" name="文本框 43">
+            <a:extLst>
+              <a:ext uri="{FF2B5EF4-FFF2-40B4-BE49-F238E27FC236}">
+                <a16:creationId xmlns:a16="http://schemas.microsoft.com/office/drawing/2014/main" id="{100B6912-DF04-4162-B333-61DD0763F464}"/>
+              </a:ext>
+            </a:extLst>
+          </p:cNvPr>
+          <p:cNvSpPr txBox="1"/>
+          <p:nvPr/>
+        </p:nvSpPr>
+        <p:spPr>
+          <a:xfrm>
+            <a:off x="172040" y="6153007"/>
+            <a:ext cx="7397684" cy="369332"/>
+          </a:xfrm>
+          <a:prstGeom prst="rect">
+            <a:avLst/>
+          </a:prstGeom>
+          <a:noFill/>
+        </p:spPr>
+        <p:txBody>
+          <a:bodyPr wrap="square">
+            <a:spAutoFit/>
+          </a:bodyPr>
+          <a:lstStyle/>
+          <a:p>
+            <a:r>
+              <a:rPr lang="zh-CN" altLang="en-US" dirty="0"/>
+              <a:t>https://www.processon.com/diagraming/6187ab1de401fd493d4a63e3</a:t>
+            </a:r>
+          </a:p>
+        </p:txBody>
+      </p:sp>
+    </p:spTree>
+    <p:extLst>
+      <p:ext uri="{BB962C8B-B14F-4D97-AF65-F5344CB8AC3E}">
+        <p14:creationId xmlns:p14="http://schemas.microsoft.com/office/powerpoint/2010/main" val="1276693306"/>
+      </p:ext>
+    </p:extLst>
+  </p:cSld>
+  <p:clrMapOvr>
+    <a:masterClrMapping/>
+  </p:clrMapOvr>
+</p:sld>
+</file>
+
 <file path=ppt/theme/theme1.xml><?xml version="1.0" encoding="utf-8"?>
 <a:theme xmlns:a="http://schemas.openxmlformats.org/drawingml/2006/main" name="Office 主题​​">
   <a:themeElements>
